--- a/중간발표 발표자료/Unknown_Team_Battle_김동산_백명규_정홍래.pptx
+++ b/중간발표 발표자료/Unknown_Team_Battle_김동산_백명규_정홍래.pptx
@@ -121,7 +121,7 @@
   </p:defaultTextStyle>
   <p:extLst>
     <p:ext uri="{EFAFB233-063F-42B5-8137-9DF3F51BA10A}">
-      <p15:sldGuideLst xmlns:p15="http://schemas.microsoft.com/office/powerpoint/2012/main" xmlns="">
+      <p15:sldGuideLst xmlns:p15="http://schemas.microsoft.com/office/powerpoint/2012/main">
         <p15:guide id="1" pos="3840" userDrawn="1">
           <p15:clr>
             <a:srgbClr val="A4A3A4"/>
@@ -135,7 +135,7 @@
       </p15:sldGuideLst>
     </p:ext>
     <p:ext uri="{2D200454-40CA-4A62-9FC3-DE9A4176ACB9}">
-      <p15:notesGuideLst xmlns:p15="http://schemas.microsoft.com/office/powerpoint/2012/main" xmlns=""/>
+      <p15:notesGuideLst xmlns:p15="http://schemas.microsoft.com/office/powerpoint/2012/main"/>
     </p:ext>
   </p:extLst>
 </p:presentation>
@@ -237,7 +237,7 @@
                 <a:latin typeface="malgun gothic" panose="020B0503020000020004" pitchFamily="50" charset="-127"/>
                 <a:ea typeface="malgun gothic" panose="020B0503020000020004" pitchFamily="50" charset="-127"/>
               </a:rPr>
-              <a:t>2019-05-07</a:t>
+              <a:t>2019-05-08</a:t>
             </a:fld>
             <a:endParaRPr lang="ko-KR" altLang="en-US" dirty="0">
               <a:latin typeface="malgun gothic" panose="020B0503020000020004" pitchFamily="50" charset="-127"/>
@@ -424,7 +424,7 @@
             <a:fld id="{2B34C70B-81DE-478B-BC68-391D7A2B171D}" type="datetime1">
               <a:rPr lang="ko-KR" altLang="en-US" smtClean="0"/>
               <a:pPr/>
-              <a:t>2019-05-07</a:t>
+              <a:t>2019-05-08</a:t>
             </a:fld>
             <a:endParaRPr lang="ko-KR" altLang="en-US" dirty="0"/>
           </a:p>
@@ -1256,7 +1256,7 @@
             <a:fld id="{68CE1086-A3BD-48EF-A323-678893A53D35}" type="datetime1">
               <a:rPr lang="ko-KR" altLang="en-US" smtClean="0"/>
               <a:pPr/>
-              <a:t>2019-05-07</a:t>
+              <a:t>2019-05-08</a:t>
             </a:fld>
             <a:endParaRPr lang="ko-KR" altLang="en-US" dirty="0"/>
           </a:p>
@@ -1448,7 +1448,7 @@
             <a:fld id="{6EA4C49E-3278-403A-903E-EF3D15875233}" type="datetime1">
               <a:rPr lang="ko-KR" altLang="en-US" smtClean="0"/>
               <a:pPr/>
-              <a:t>2019-05-07</a:t>
+              <a:t>2019-05-08</a:t>
             </a:fld>
             <a:endParaRPr lang="ko-KR" altLang="en-US" dirty="0"/>
           </a:p>
@@ -1533,7 +1533,7 @@
           <p:cNvPr id="7" name="직사각형 6">
             <a:extLst>
               <a:ext uri="{FF2B5EF4-FFF2-40B4-BE49-F238E27FC236}">
-                <a16:creationId xmlns:a16="http://schemas.microsoft.com/office/drawing/2014/main" xmlns="" id="{FD70023C-D37B-47BE-AB36-0ACDDF758736}"/>
+                <a16:creationId xmlns:a16="http://schemas.microsoft.com/office/drawing/2014/main" id="{FD70023C-D37B-47BE-AB36-0ACDDF758736}"/>
               </a:ext>
             </a:extLst>
           </p:cNvPr>
@@ -1726,7 +1726,7 @@
             <a:fld id="{57B1F5DF-468D-4526-9AD3-FCEB4539BE9E}" type="datetime1">
               <a:rPr lang="ko-KR" altLang="en-US" smtClean="0"/>
               <a:pPr/>
-              <a:t>2019-05-07</a:t>
+              <a:t>2019-05-08</a:t>
             </a:fld>
             <a:endParaRPr lang="ko-KR" altLang="en-US" dirty="0"/>
           </a:p>
@@ -2183,7 +2183,7 @@
             <a:fld id="{4A42E9B4-9CCE-4307-BDB1-EE18E3DD4AB2}" type="datetime1">
               <a:rPr lang="ko-KR" altLang="en-US" smtClean="0"/>
               <a:pPr/>
-              <a:t>2019-05-07</a:t>
+              <a:t>2019-05-08</a:t>
             </a:fld>
             <a:endParaRPr lang="ko-KR" altLang="en-US" dirty="0"/>
           </a:p>
@@ -2629,7 +2629,7 @@
             <a:fld id="{C381DCFB-4CBD-4994-8BAE-751FAAE07E5B}" type="datetime1">
               <a:rPr lang="ko-KR" altLang="en-US" smtClean="0"/>
               <a:pPr/>
-              <a:t>2019-05-07</a:t>
+              <a:t>2019-05-08</a:t>
             </a:fld>
             <a:endParaRPr lang="ko-KR" altLang="en-US" dirty="0"/>
           </a:p>
@@ -2755,7 +2755,7 @@
             <a:fld id="{D77F9172-712F-4274-AA50-4E268DAA3039}" type="datetime1">
               <a:rPr lang="ko-KR" altLang="en-US" smtClean="0"/>
               <a:pPr/>
-              <a:t>2019-05-07</a:t>
+              <a:t>2019-05-08</a:t>
             </a:fld>
             <a:endParaRPr lang="ko-KR" altLang="en-US" dirty="0"/>
           </a:p>
@@ -2857,7 +2857,7 @@
             <a:fld id="{E6EBB456-6E40-4840-BC62-AD77175292E5}" type="datetime1">
               <a:rPr lang="ko-KR" altLang="en-US" smtClean="0"/>
               <a:pPr/>
-              <a:t>2019-05-07</a:t>
+              <a:t>2019-05-08</a:t>
             </a:fld>
             <a:endParaRPr lang="ko-KR" altLang="en-US" dirty="0"/>
           </a:p>
@@ -3150,7 +3150,7 @@
             <a:fld id="{97CD9761-6B96-4BBC-A321-D317D8E7C564}" type="datetime1">
               <a:rPr lang="ko-KR" altLang="en-US" smtClean="0"/>
               <a:pPr/>
-              <a:t>2019-05-07</a:t>
+              <a:t>2019-05-08</a:t>
             </a:fld>
             <a:endParaRPr lang="ko-KR" altLang="en-US" dirty="0"/>
           </a:p>
@@ -3487,7 +3487,7 @@
             <a:fld id="{96DD9EE9-B0D3-429F-B9CA-4B9779BB7761}" type="datetime1">
               <a:rPr lang="ko-KR" altLang="en-US" smtClean="0"/>
               <a:pPr/>
-              <a:t>2019-05-07</a:t>
+              <a:t>2019-05-08</a:t>
             </a:fld>
             <a:endParaRPr lang="ko-KR" altLang="en-US" dirty="0"/>
           </a:p>
@@ -3717,7 +3717,7 @@
             <a:fld id="{11DBD0AD-5711-45AA-9DE6-936CF2BF62F6}" type="datetime1">
               <a:rPr lang="ko-KR" altLang="en-US" smtClean="0"/>
               <a:pPr/>
-              <a:t>2019-05-07</a:t>
+              <a:t>2019-05-08</a:t>
             </a:fld>
             <a:endParaRPr lang="ko-KR" altLang="en-US" dirty="0"/>
           </a:p>
@@ -4146,7 +4146,7 @@
   </p:txStyles>
   <p:extLst mod="1">
     <p:ext uri="{27BBF7A9-308A-43DC-89C8-2F10F3537804}">
-      <p15:sldGuideLst xmlns:p15="http://schemas.microsoft.com/office/powerpoint/2012/main" xmlns="">
+      <p15:sldGuideLst xmlns:p15="http://schemas.microsoft.com/office/powerpoint/2012/main">
         <p15:guide id="1" orient="horz" pos="2160">
           <p15:clr>
             <a:srgbClr val="F26B43"/>
@@ -4308,7 +4308,7 @@
           <p:cNvPr id="4" name="직사각형 3">
             <a:extLst>
               <a:ext uri="{FF2B5EF4-FFF2-40B4-BE49-F238E27FC236}">
-                <a16:creationId xmlns:a16="http://schemas.microsoft.com/office/drawing/2014/main" xmlns="" id="{9411ED77-85DD-47E0-96B3-D82061AC2078}"/>
+                <a16:creationId xmlns:a16="http://schemas.microsoft.com/office/drawing/2014/main" id="{9411ED77-85DD-47E0-96B3-D82061AC2078}"/>
               </a:ext>
             </a:extLst>
           </p:cNvPr>
@@ -4362,7 +4362,7 @@
           <p:cNvPr id="5" name="직사각형 4">
             <a:extLst>
               <a:ext uri="{FF2B5EF4-FFF2-40B4-BE49-F238E27FC236}">
-                <a16:creationId xmlns:a16="http://schemas.microsoft.com/office/drawing/2014/main" xmlns="" id="{B347720B-43BE-4BE8-BD2F-50116621059C}"/>
+                <a16:creationId xmlns:a16="http://schemas.microsoft.com/office/drawing/2014/main" id="{B347720B-43BE-4BE8-BD2F-50116621059C}"/>
               </a:ext>
             </a:extLst>
           </p:cNvPr>
@@ -4465,7 +4465,7 @@
           <p:cNvPr id="2" name="제목 1">
             <a:extLst>
               <a:ext uri="{FF2B5EF4-FFF2-40B4-BE49-F238E27FC236}">
-                <a16:creationId xmlns:a16="http://schemas.microsoft.com/office/drawing/2014/main" xmlns="" id="{06B0E974-6186-4B2A-B053-E8131DB7CCD3}"/>
+                <a16:creationId xmlns:a16="http://schemas.microsoft.com/office/drawing/2014/main" id="{06B0E974-6186-4B2A-B053-E8131DB7CCD3}"/>
               </a:ext>
             </a:extLst>
           </p:cNvPr>
@@ -4493,7 +4493,7 @@
           <p:cNvPr id="3" name="내용 개체 틀 2">
             <a:extLst>
               <a:ext uri="{FF2B5EF4-FFF2-40B4-BE49-F238E27FC236}">
-                <a16:creationId xmlns:a16="http://schemas.microsoft.com/office/drawing/2014/main" xmlns="" id="{8F70D495-4D36-4C7F-947E-E9A3242B9E3C}"/>
+                <a16:creationId xmlns:a16="http://schemas.microsoft.com/office/drawing/2014/main" id="{8F70D495-4D36-4C7F-947E-E9A3242B9E3C}"/>
               </a:ext>
             </a:extLst>
           </p:cNvPr>
@@ -4705,7 +4705,7 @@
           <p:cNvPr id="2" name="제목 1">
             <a:extLst>
               <a:ext uri="{FF2B5EF4-FFF2-40B4-BE49-F238E27FC236}">
-                <a16:creationId xmlns:a16="http://schemas.microsoft.com/office/drawing/2014/main" xmlns="" id="{CA1EC8BF-6B01-43DD-9FDD-C1E68CB277E9}"/>
+                <a16:creationId xmlns:a16="http://schemas.microsoft.com/office/drawing/2014/main" id="{CA1EC8BF-6B01-43DD-9FDD-C1E68CB277E9}"/>
               </a:ext>
             </a:extLst>
           </p:cNvPr>
@@ -4733,7 +4733,7 @@
           <p:cNvPr id="3" name="내용 개체 틀 2">
             <a:extLst>
               <a:ext uri="{FF2B5EF4-FFF2-40B4-BE49-F238E27FC236}">
-                <a16:creationId xmlns:a16="http://schemas.microsoft.com/office/drawing/2014/main" xmlns="" id="{E7A26943-DF7E-4946-B44A-1A50C3682979}"/>
+                <a16:creationId xmlns:a16="http://schemas.microsoft.com/office/drawing/2014/main" id="{E7A26943-DF7E-4946-B44A-1A50C3682979}"/>
               </a:ext>
             </a:extLst>
           </p:cNvPr>
@@ -4765,72 +4765,64 @@
               <a:t>: </a:t>
             </a:r>
             <a:r>
-              <a:rPr lang="en-US" altLang="ko-KR" dirty="0" err="1" smtClean="0"/>
+              <a:rPr lang="en-US" altLang="ko-KR" dirty="0" err="1"/>
               <a:t>UnknowTeamBattle</a:t>
             </a:r>
-            <a:endParaRPr lang="en-US" altLang="ko-KR" dirty="0" smtClean="0"/>
-          </a:p>
-          <a:p>
-            <a:r>
-              <a:rPr lang="ko-KR" altLang="en-US" dirty="0" smtClean="0"/>
+            <a:endParaRPr lang="en-US" altLang="ko-KR" dirty="0"/>
+          </a:p>
+          <a:p>
+            <a:r>
+              <a:rPr lang="ko-KR" altLang="en-US" dirty="0"/>
               <a:t>게임장르 </a:t>
             </a:r>
             <a:r>
-              <a:rPr lang="en-US" altLang="ko-KR" dirty="0" smtClean="0"/>
+              <a:rPr lang="en-US" altLang="ko-KR" dirty="0"/>
               <a:t>: FPS</a:t>
             </a:r>
           </a:p>
           <a:p>
             <a:r>
-              <a:rPr lang="ko-KR" altLang="en-US" dirty="0" smtClean="0"/>
+              <a:rPr lang="ko-KR" altLang="en-US" dirty="0"/>
               <a:t>게임특징</a:t>
             </a:r>
-            <a:endParaRPr lang="en-US" altLang="ko-KR" dirty="0" smtClean="0"/>
+            <a:endParaRPr lang="en-US" altLang="ko-KR" dirty="0"/>
           </a:p>
           <a:p>
             <a:pPr lvl="1"/>
             <a:r>
-              <a:rPr lang="ko-KR" altLang="en-US" dirty="0" smtClean="0"/>
+              <a:rPr lang="ko-KR" altLang="en-US" dirty="0"/>
               <a:t>제한시간 </a:t>
             </a:r>
             <a:r>
-              <a:rPr lang="en-US" altLang="ko-KR" dirty="0" smtClean="0"/>
+              <a:rPr lang="en-US" altLang="ko-KR" dirty="0"/>
               <a:t>10</a:t>
             </a:r>
             <a:r>
-              <a:rPr lang="ko-KR" altLang="en-US" dirty="0" smtClean="0"/>
-              <a:t>분</a:t>
-            </a:r>
-            <a:r>
               <a:rPr lang="ko-KR" altLang="en-US" dirty="0"/>
-              <a:t>의</a:t>
-            </a:r>
-            <a:r>
-              <a:rPr lang="ko-KR" altLang="en-US" dirty="0" smtClean="0"/>
-              <a:t> </a:t>
-            </a:r>
-            <a:r>
-              <a:rPr lang="en-US" altLang="ko-KR" dirty="0" smtClean="0"/>
+              <a:t>분의 </a:t>
+            </a:r>
+            <a:r>
+              <a:rPr lang="en-US" altLang="ko-KR" dirty="0"/>
               <a:t>5 VS 5 FPS </a:t>
             </a:r>
             <a:r>
-              <a:rPr lang="ko-KR" altLang="en-US" dirty="0" smtClean="0"/>
+              <a:rPr lang="ko-KR" altLang="en-US" dirty="0"/>
               <a:t>게임</a:t>
             </a:r>
-            <a:endParaRPr lang="en-US" altLang="ko-KR" dirty="0" smtClean="0"/>
+            <a:endParaRPr lang="en-US" altLang="ko-KR" dirty="0"/>
           </a:p>
           <a:p>
             <a:pPr lvl="1"/>
             <a:r>
-              <a:rPr lang="ko-KR" altLang="en-US" dirty="0" smtClean="0"/>
+              <a:rPr lang="ko-KR" altLang="en-US" dirty="0"/>
               <a:t>상대팀 팀장을 잡으면 승리</a:t>
             </a:r>
-            <a:endParaRPr lang="en-US" altLang="ko-KR" dirty="0" smtClean="0"/>
+            <a:endParaRPr lang="en-US" altLang="ko-KR" dirty="0"/>
           </a:p>
           <a:p>
             <a:pPr lvl="1"/>
             <a:r>
-              <a:rPr lang="ko-KR" altLang="en-US" smtClean="0"/>
+              <a:rPr lang="ko-KR" altLang="en-US"/>
               <a:t>팀장을 제외한 유저의 피아식별이 불가능</a:t>
             </a:r>
             <a:endParaRPr lang="en-US" altLang="ko-KR" dirty="0"/>
@@ -4872,7 +4864,7 @@
           <p:cNvPr id="2" name="제목 1">
             <a:extLst>
               <a:ext uri="{FF2B5EF4-FFF2-40B4-BE49-F238E27FC236}">
-                <a16:creationId xmlns:a16="http://schemas.microsoft.com/office/drawing/2014/main" xmlns="" id="{0ABF4667-6062-4867-8F8C-DC3A018B45E7}"/>
+                <a16:creationId xmlns:a16="http://schemas.microsoft.com/office/drawing/2014/main" id="{0ABF4667-6062-4867-8F8C-DC3A018B45E7}"/>
               </a:ext>
             </a:extLst>
           </p:cNvPr>
@@ -4900,7 +4892,7 @@
           <p:cNvPr id="5" name="내용 개체 틀 4" descr="앉아있는이(가) 표시된 사진&#10;&#10;자동 생성된 설명">
             <a:extLst>
               <a:ext uri="{FF2B5EF4-FFF2-40B4-BE49-F238E27FC236}">
-                <a16:creationId xmlns:a16="http://schemas.microsoft.com/office/drawing/2014/main" xmlns="" id="{30C6B835-AAFA-485F-9350-76F136C55A24}"/>
+                <a16:creationId xmlns:a16="http://schemas.microsoft.com/office/drawing/2014/main" id="{30C6B835-AAFA-485F-9350-76F136C55A24}"/>
               </a:ext>
             </a:extLst>
           </p:cNvPr>
@@ -4965,7 +4957,7 @@
           <p:cNvPr id="2" name="제목 1">
             <a:extLst>
               <a:ext uri="{FF2B5EF4-FFF2-40B4-BE49-F238E27FC236}">
-                <a16:creationId xmlns:a16="http://schemas.microsoft.com/office/drawing/2014/main" xmlns="" id="{A039B402-59A3-48D1-A502-090241086066}"/>
+                <a16:creationId xmlns:a16="http://schemas.microsoft.com/office/drawing/2014/main" id="{A039B402-59A3-48D1-A502-090241086066}"/>
               </a:ext>
             </a:extLst>
           </p:cNvPr>
@@ -4993,7 +4985,7 @@
           <p:cNvPr id="5" name="내용 개체 틀 4">
             <a:extLst>
               <a:ext uri="{FF2B5EF4-FFF2-40B4-BE49-F238E27FC236}">
-                <a16:creationId xmlns:a16="http://schemas.microsoft.com/office/drawing/2014/main" xmlns="" id="{DC45A87F-4DD0-4DCE-A0A0-E4963E22A550}"/>
+                <a16:creationId xmlns:a16="http://schemas.microsoft.com/office/drawing/2014/main" id="{DC45A87F-4DD0-4DCE-A0A0-E4963E22A550}"/>
               </a:ext>
             </a:extLst>
           </p:cNvPr>
@@ -5058,7 +5050,7 @@
           <p:cNvPr id="2" name="제목 1">
             <a:extLst>
               <a:ext uri="{FF2B5EF4-FFF2-40B4-BE49-F238E27FC236}">
-                <a16:creationId xmlns:a16="http://schemas.microsoft.com/office/drawing/2014/main" xmlns="" id="{8AE1EF4F-F26F-4D50-A597-A476B7C1FA21}"/>
+                <a16:creationId xmlns:a16="http://schemas.microsoft.com/office/drawing/2014/main" id="{8AE1EF4F-F26F-4D50-A597-A476B7C1FA21}"/>
               </a:ext>
             </a:extLst>
           </p:cNvPr>
@@ -5086,7 +5078,7 @@
           <p:cNvPr id="22" name="그룹 21">
             <a:extLst>
               <a:ext uri="{FF2B5EF4-FFF2-40B4-BE49-F238E27FC236}">
-                <a16:creationId xmlns:a16="http://schemas.microsoft.com/office/drawing/2014/main" xmlns="" id="{17DDD43F-52F8-44CA-96A9-E4D97BD64AF5}"/>
+                <a16:creationId xmlns:a16="http://schemas.microsoft.com/office/drawing/2014/main" id="{17DDD43F-52F8-44CA-96A9-E4D97BD64AF5}"/>
               </a:ext>
             </a:extLst>
           </p:cNvPr>
@@ -5106,7 +5098,7 @@
             <p:cNvPr id="12" name="내용 개체 틀 4" descr="키보드, 컴퓨터, 전자기기, 실내이(가) 표시된 사진&#10;&#10;매우 높은 신뢰도로 생성된 설명">
               <a:extLst>
                 <a:ext uri="{FF2B5EF4-FFF2-40B4-BE49-F238E27FC236}">
-                  <a16:creationId xmlns:a16="http://schemas.microsoft.com/office/drawing/2014/main" xmlns="" id="{8619289A-C152-430F-8A12-266C91DA849E}"/>
+                  <a16:creationId xmlns:a16="http://schemas.microsoft.com/office/drawing/2014/main" id="{8619289A-C152-430F-8A12-266C91DA849E}"/>
                 </a:ext>
               </a:extLst>
             </p:cNvPr>
@@ -5142,7 +5134,7 @@
             <p:cNvPr id="13" name="자유형: 도형 12">
               <a:extLst>
                 <a:ext uri="{FF2B5EF4-FFF2-40B4-BE49-F238E27FC236}">
-                  <a16:creationId xmlns:a16="http://schemas.microsoft.com/office/drawing/2014/main" xmlns="" id="{C1172710-ED17-4653-A5CC-1AFA95906359}"/>
+                  <a16:creationId xmlns:a16="http://schemas.microsoft.com/office/drawing/2014/main" id="{C1172710-ED17-4653-A5CC-1AFA95906359}"/>
                 </a:ext>
               </a:extLst>
             </p:cNvPr>
@@ -5278,7 +5270,7 @@
           <p:cNvPr id="21" name="내용 개체 틀 2">
             <a:extLst>
               <a:ext uri="{FF2B5EF4-FFF2-40B4-BE49-F238E27FC236}">
-                <a16:creationId xmlns:a16="http://schemas.microsoft.com/office/drawing/2014/main" xmlns="" id="{E3C2C3EB-D1C9-4F47-B592-9E362E832969}"/>
+                <a16:creationId xmlns:a16="http://schemas.microsoft.com/office/drawing/2014/main" id="{E3C2C3EB-D1C9-4F47-B592-9E362E832969}"/>
               </a:ext>
             </a:extLst>
           </p:cNvPr>
@@ -5558,7 +5550,7 @@
           <p:cNvPr id="24" name="그룹 23">
             <a:extLst>
               <a:ext uri="{FF2B5EF4-FFF2-40B4-BE49-F238E27FC236}">
-                <a16:creationId xmlns:a16="http://schemas.microsoft.com/office/drawing/2014/main" xmlns="" id="{8292B03B-EF47-49F5-92AE-44FB1D0C5129}"/>
+                <a16:creationId xmlns:a16="http://schemas.microsoft.com/office/drawing/2014/main" id="{8292B03B-EF47-49F5-92AE-44FB1D0C5129}"/>
               </a:ext>
             </a:extLst>
           </p:cNvPr>
@@ -5578,7 +5570,7 @@
             <p:cNvPr id="25" name="그림 24" descr="실내, 앉아있는, 하얀색이(가) 표시된 사진&#10;&#10;높은 신뢰도로 생성된 설명">
               <a:extLst>
                 <a:ext uri="{FF2B5EF4-FFF2-40B4-BE49-F238E27FC236}">
-                  <a16:creationId xmlns:a16="http://schemas.microsoft.com/office/drawing/2014/main" xmlns="" id="{04FA23E6-E582-4488-9554-1C003FDAA00C}"/>
+                  <a16:creationId xmlns:a16="http://schemas.microsoft.com/office/drawing/2014/main" id="{04FA23E6-E582-4488-9554-1C003FDAA00C}"/>
                 </a:ext>
               </a:extLst>
             </p:cNvPr>
@@ -5614,7 +5606,7 @@
             <p:cNvPr id="26" name="직사각형 25">
               <a:extLst>
                 <a:ext uri="{FF2B5EF4-FFF2-40B4-BE49-F238E27FC236}">
-                  <a16:creationId xmlns:a16="http://schemas.microsoft.com/office/drawing/2014/main" xmlns="" id="{28C08BC7-D98D-482F-BEE2-8FAD111E2FC4}"/>
+                  <a16:creationId xmlns:a16="http://schemas.microsoft.com/office/drawing/2014/main" id="{28C08BC7-D98D-482F-BEE2-8FAD111E2FC4}"/>
                 </a:ext>
               </a:extLst>
             </p:cNvPr>
@@ -5667,7 +5659,7 @@
           <p:cNvPr id="27" name="연결선: 꺾임 26">
             <a:extLst>
               <a:ext uri="{FF2B5EF4-FFF2-40B4-BE49-F238E27FC236}">
-                <a16:creationId xmlns:a16="http://schemas.microsoft.com/office/drawing/2014/main" xmlns="" id="{10423AC9-FEAE-4C3F-A77B-B24B9E296A13}"/>
+                <a16:creationId xmlns:a16="http://schemas.microsoft.com/office/drawing/2014/main" id="{10423AC9-FEAE-4C3F-A77B-B24B9E296A13}"/>
               </a:ext>
             </a:extLst>
           </p:cNvPr>
@@ -5711,7 +5703,7 @@
           <p:cNvPr id="28" name="TextBox 27">
             <a:extLst>
               <a:ext uri="{FF2B5EF4-FFF2-40B4-BE49-F238E27FC236}">
-                <a16:creationId xmlns:a16="http://schemas.microsoft.com/office/drawing/2014/main" xmlns="" id="{7F43A967-E545-4514-8A99-12E082F35D5E}"/>
+                <a16:creationId xmlns:a16="http://schemas.microsoft.com/office/drawing/2014/main" id="{7F43A967-E545-4514-8A99-12E082F35D5E}"/>
               </a:ext>
             </a:extLst>
           </p:cNvPr>
@@ -5752,7 +5744,7 @@
           <p:cNvPr id="11" name="내용 개체 틀 2">
             <a:extLst>
               <a:ext uri="{FF2B5EF4-FFF2-40B4-BE49-F238E27FC236}">
-                <a16:creationId xmlns:a16="http://schemas.microsoft.com/office/drawing/2014/main" xmlns="" id="{E1E262D8-0944-4F3F-8311-FDB427064931}"/>
+                <a16:creationId xmlns:a16="http://schemas.microsoft.com/office/drawing/2014/main" id="{E1E262D8-0944-4F3F-8311-FDB427064931}"/>
               </a:ext>
             </a:extLst>
           </p:cNvPr>
@@ -5851,7 +5843,7 @@
           <p:cNvPr id="7" name="내용 개체 틀 6">
             <a:extLst>
               <a:ext uri="{FF2B5EF4-FFF2-40B4-BE49-F238E27FC236}">
-                <a16:creationId xmlns:a16="http://schemas.microsoft.com/office/drawing/2014/main" xmlns="" id="{1A68F514-A5EE-4375-A3F6-95D6DE4FA5F1}"/>
+                <a16:creationId xmlns:a16="http://schemas.microsoft.com/office/drawing/2014/main" id="{1A68F514-A5EE-4375-A3F6-95D6DE4FA5F1}"/>
               </a:ext>
             </a:extLst>
           </p:cNvPr>
@@ -5862,7 +5854,7 @@
             <p:ph idx="1"/>
             <p:extLst>
               <p:ext uri="{D42A27DB-BD31-4B8C-83A1-F6EECF244321}">
-                <p14:modId xmlns:p14="http://schemas.microsoft.com/office/powerpoint/2010/main" val="1698401667"/>
+                <p14:modId xmlns:p14="http://schemas.microsoft.com/office/powerpoint/2010/main" val="2738794303"/>
               </p:ext>
             </p:extLst>
           </p:nvPr>
@@ -5881,21 +5873,21 @@
                 <a:gridCol w="2123728">
                   <a:extLst>
                     <a:ext uri="{9D8B030D-6E8A-4147-A177-3AD203B41FA5}">
-                      <a16:colId xmlns:a16="http://schemas.microsoft.com/office/drawing/2014/main" xmlns="" val="613055141"/>
+                      <a16:colId xmlns:a16="http://schemas.microsoft.com/office/drawing/2014/main" val="613055141"/>
                     </a:ext>
                   </a:extLst>
                 </a:gridCol>
                 <a:gridCol w="2160240">
                   <a:extLst>
                     <a:ext uri="{9D8B030D-6E8A-4147-A177-3AD203B41FA5}">
-                      <a16:colId xmlns:a16="http://schemas.microsoft.com/office/drawing/2014/main" xmlns="" val="2898010866"/>
+                      <a16:colId xmlns:a16="http://schemas.microsoft.com/office/drawing/2014/main" val="2898010866"/>
                     </a:ext>
                   </a:extLst>
                 </a:gridCol>
                 <a:gridCol w="4860032">
                   <a:extLst>
                     <a:ext uri="{9D8B030D-6E8A-4147-A177-3AD203B41FA5}">
-                      <a16:colId xmlns:a16="http://schemas.microsoft.com/office/drawing/2014/main" xmlns="" val="4063302049"/>
+                      <a16:colId xmlns:a16="http://schemas.microsoft.com/office/drawing/2014/main" val="4063302049"/>
                     </a:ext>
                   </a:extLst>
                 </a:gridCol>
@@ -6011,75 +6003,75 @@
                     <a:p>
                       <a:pPr latinLnBrk="1"/>
                       <a:r>
-                        <a:rPr lang="en-US" altLang="ko-KR" sz="1800" dirty="0" smtClean="0"/>
+                        <a:rPr lang="en-US" altLang="ko-KR" sz="1800" dirty="0"/>
                         <a:t>IOCP </a:t>
                       </a:r>
                       <a:r>
-                        <a:rPr lang="ko-KR" altLang="en-US" sz="1800" dirty="0" smtClean="0"/>
+                        <a:rPr lang="ko-KR" altLang="en-US" sz="1800" dirty="0"/>
                         <a:t>서버 제작</a:t>
                       </a:r>
-                      <a:endParaRPr lang="en-US" altLang="ko-KR" sz="1800" dirty="0" smtClean="0"/>
+                      <a:endParaRPr lang="en-US" altLang="ko-KR" sz="1800" dirty="0"/>
                     </a:p>
                     <a:p>
                       <a:pPr latinLnBrk="1"/>
                       <a:r>
-                        <a:rPr lang="ko-KR" altLang="en-US" sz="1800" dirty="0" smtClean="0"/>
+                        <a:rPr lang="ko-KR" altLang="en-US" sz="1800" dirty="0"/>
                         <a:t>방</a:t>
                       </a:r>
                       <a:r>
-                        <a:rPr lang="ko-KR" altLang="en-US" sz="1800" baseline="0" dirty="0" smtClean="0"/>
+                        <a:rPr lang="ko-KR" altLang="en-US" sz="1800" baseline="0" dirty="0"/>
                         <a:t> 구조</a:t>
                       </a:r>
                       <a:r>
-                        <a:rPr lang="en-US" altLang="ko-KR" sz="1800" baseline="0" dirty="0" smtClean="0"/>
+                        <a:rPr lang="en-US" altLang="ko-KR" sz="1800" baseline="0" dirty="0"/>
                         <a:t>, </a:t>
                       </a:r>
                       <a:r>
-                        <a:rPr lang="ko-KR" altLang="en-US" sz="1800" baseline="0" dirty="0" err="1" smtClean="0"/>
+                        <a:rPr lang="ko-KR" altLang="en-US" sz="1800" baseline="0" dirty="0" err="1"/>
                         <a:t>패킷</a:t>
                       </a:r>
                       <a:r>
-                        <a:rPr lang="ko-KR" altLang="en-US" sz="1800" baseline="0" dirty="0" smtClean="0"/>
+                        <a:rPr lang="ko-KR" altLang="en-US" sz="1800" baseline="0" dirty="0"/>
                         <a:t> 테스트 클라이언트</a:t>
                       </a:r>
                       <a:r>
-                        <a:rPr lang="en-US" altLang="ko-KR" sz="1800" baseline="0" dirty="0" smtClean="0"/>
+                        <a:rPr lang="en-US" altLang="ko-KR" sz="1800" baseline="0" dirty="0"/>
                         <a:t>, </a:t>
                       </a:r>
                       <a:r>
-                        <a:rPr lang="ko-KR" altLang="en-US" sz="1800" baseline="0" dirty="0" smtClean="0"/>
+                        <a:rPr lang="ko-KR" altLang="en-US" sz="1800" baseline="0" dirty="0"/>
                         <a:t>동시접속 테스트 더미 클라이언트</a:t>
                       </a:r>
                       <a:r>
-                        <a:rPr lang="en-US" altLang="ko-KR" sz="1800" baseline="0" dirty="0" smtClean="0"/>
+                        <a:rPr lang="en-US" altLang="ko-KR" sz="1800" baseline="0" dirty="0"/>
                         <a:t>, </a:t>
                       </a:r>
                       <a:r>
-                        <a:rPr lang="ko-KR" altLang="en-US" sz="1800" baseline="0" dirty="0" smtClean="0"/>
+                        <a:rPr lang="ko-KR" altLang="en-US" sz="1800" baseline="0" dirty="0"/>
                         <a:t>로그인 기능</a:t>
                       </a:r>
                       <a:r>
-                        <a:rPr lang="en-US" altLang="ko-KR" sz="1800" baseline="0" dirty="0" smtClean="0"/>
+                        <a:rPr lang="en-US" altLang="ko-KR" sz="1800" baseline="0" dirty="0"/>
                         <a:t>, DB</a:t>
                       </a:r>
                       <a:r>
-                        <a:rPr lang="ko-KR" altLang="en-US" sz="1800" baseline="0" dirty="0" smtClean="0"/>
+                        <a:rPr lang="ko-KR" altLang="en-US" sz="1800" baseline="0" dirty="0"/>
                         <a:t>연동</a:t>
                       </a:r>
                       <a:r>
-                        <a:rPr lang="en-US" altLang="ko-KR" sz="1800" baseline="0" dirty="0" smtClean="0"/>
+                        <a:rPr lang="en-US" altLang="ko-KR" sz="1800" baseline="0" dirty="0"/>
                         <a:t>, PhysX </a:t>
                       </a:r>
                       <a:r>
-                        <a:rPr lang="ko-KR" altLang="en-US" sz="1800" baseline="0" dirty="0" smtClean="0"/>
+                        <a:rPr lang="ko-KR" altLang="en-US" sz="1800" baseline="0" dirty="0"/>
                         <a:t>엔진 모듈</a:t>
                       </a:r>
                       <a:r>
-                        <a:rPr lang="en-US" altLang="ko-KR" sz="1800" baseline="0" dirty="0" smtClean="0"/>
+                        <a:rPr lang="en-US" altLang="ko-KR" sz="1800" baseline="0" dirty="0"/>
                         <a:t>, </a:t>
                       </a:r>
                       <a:r>
-                        <a:rPr lang="ko-KR" altLang="en-US" sz="1800" baseline="0" dirty="0" smtClean="0"/>
+                        <a:rPr lang="ko-KR" altLang="en-US" sz="1800" baseline="0" dirty="0"/>
                         <a:t>클라이언트 네트워크 모듈</a:t>
                       </a:r>
                       <a:endParaRPr lang="ko-KR" altLang="en-US" sz="1800" dirty="0"/>
@@ -6126,7 +6118,7 @@
                 </a:tc>
                 <a:extLst>
                   <a:ext uri="{0D108BD9-81ED-4DB2-BD59-A6C34878D82A}">
-                    <a16:rowId xmlns:a16="http://schemas.microsoft.com/office/drawing/2014/main" xmlns="" val="1438893697"/>
+                    <a16:rowId xmlns:a16="http://schemas.microsoft.com/office/drawing/2014/main" val="1438893697"/>
                   </a:ext>
                 </a:extLst>
               </a:tr>
@@ -6360,7 +6352,7 @@
                 </a:tc>
                 <a:extLst>
                   <a:ext uri="{0D108BD9-81ED-4DB2-BD59-A6C34878D82A}">
-                    <a16:rowId xmlns:a16="http://schemas.microsoft.com/office/drawing/2014/main" xmlns="" val="3568186816"/>
+                    <a16:rowId xmlns:a16="http://schemas.microsoft.com/office/drawing/2014/main" val="3568186816"/>
                   </a:ext>
                 </a:extLst>
               </a:tr>
@@ -6471,7 +6463,82 @@
                     <a:lstStyle/>
                     <a:p>
                       <a:pPr latinLnBrk="1"/>
-                      <a:endParaRPr lang="ko-KR" altLang="en-US" sz="1800" dirty="0"/>
+                      <a:r>
+                        <a:rPr lang="en-US" altLang="ko-KR" sz="1800" dirty="0" err="1"/>
+                        <a:t>FbxSdk</a:t>
+                      </a:r>
+                      <a:r>
+                        <a:rPr lang="en-US" altLang="ko-KR" sz="1800" dirty="0"/>
+                        <a:t> </a:t>
+                      </a:r>
+                      <a:r>
+                        <a:rPr lang="ko-KR" altLang="en-US" sz="1800" dirty="0"/>
+                        <a:t>모델 매니저</a:t>
+                      </a:r>
+                      <a:r>
+                        <a:rPr lang="en-US" altLang="ko-KR" sz="1800" dirty="0"/>
+                        <a:t> </a:t>
+                      </a:r>
+                      <a:r>
+                        <a:rPr lang="ko-KR" altLang="en-US" sz="1800" dirty="0"/>
+                        <a:t>제작</a:t>
+                      </a:r>
+                      <a:endParaRPr lang="en-US" altLang="ko-KR" sz="1800" dirty="0"/>
+                    </a:p>
+                    <a:p>
+                      <a:pPr latinLnBrk="1"/>
+                      <a:r>
+                        <a:rPr lang="en-US" altLang="ko-KR" sz="1800" dirty="0" err="1"/>
+                        <a:t>Fbx</a:t>
+                      </a:r>
+                      <a:r>
+                        <a:rPr lang="en-US" altLang="ko-KR" sz="1800" dirty="0"/>
+                        <a:t> </a:t>
+                      </a:r>
+                      <a:r>
+                        <a:rPr lang="ko-KR" altLang="en-US" sz="1800" dirty="0" err="1"/>
+                        <a:t>메쉬</a:t>
+                      </a:r>
+                      <a:r>
+                        <a:rPr lang="ko-KR" altLang="en-US" sz="1800" dirty="0"/>
+                        <a:t> 데이터 저장 및 컨트롤 포인트 인덱스 버퍼 생성</a:t>
+                      </a:r>
+                      <a:r>
+                        <a:rPr lang="en-US" altLang="ko-KR" sz="1800" dirty="0"/>
+                        <a:t>,  </a:t>
+                      </a:r>
+                      <a:r>
+                        <a:rPr lang="ko-KR" altLang="en-US" sz="1800" dirty="0"/>
+                        <a:t>모델 </a:t>
+                      </a:r>
+                      <a:r>
+                        <a:rPr lang="ko-KR" altLang="en-US" sz="1800" dirty="0" err="1"/>
+                        <a:t>메쉬의</a:t>
+                      </a:r>
+                      <a:r>
+                        <a:rPr lang="ko-KR" altLang="en-US" sz="1800" dirty="0"/>
+                        <a:t> 루트 노드</a:t>
+                      </a:r>
+                      <a:r>
+                        <a:rPr lang="en-US" altLang="ko-KR" sz="1800" dirty="0"/>
+                        <a:t> </a:t>
+                      </a:r>
+                      <a:r>
+                        <a:rPr lang="ko-KR" altLang="en-US" sz="1800"/>
+                        <a:t>기반으로 애니메이션 파일의 </a:t>
+                      </a:r>
+                      <a:r>
+                        <a:rPr lang="ko-KR" altLang="en-US" sz="1800" dirty="0"/>
+                        <a:t>본 관련</a:t>
+                      </a:r>
+                      <a:r>
+                        <a:rPr lang="en-US" altLang="ko-KR" sz="1800" dirty="0"/>
+                        <a:t> </a:t>
+                      </a:r>
+                      <a:r>
+                        <a:rPr lang="ko-KR" altLang="en-US" sz="1800" dirty="0"/>
+                        <a:t>데이터 추출</a:t>
+                      </a:r>
                     </a:p>
                   </a:txBody>
                   <a:tcPr>
@@ -6515,7 +6582,7 @@
                 </a:tc>
                 <a:extLst>
                   <a:ext uri="{0D108BD9-81ED-4DB2-BD59-A6C34878D82A}">
-                    <a16:rowId xmlns:a16="http://schemas.microsoft.com/office/drawing/2014/main" xmlns="" val="1081355623"/>
+                    <a16:rowId xmlns:a16="http://schemas.microsoft.com/office/drawing/2014/main" val="1081355623"/>
                   </a:ext>
                 </a:extLst>
               </a:tr>
@@ -6528,7 +6595,7 @@
           <p:cNvPr id="2" name="제목 1">
             <a:extLst>
               <a:ext uri="{FF2B5EF4-FFF2-40B4-BE49-F238E27FC236}">
-                <a16:creationId xmlns:a16="http://schemas.microsoft.com/office/drawing/2014/main" xmlns="" id="{50BFF8E4-400B-48AF-9C6D-DD2D9AC9A092}"/>
+                <a16:creationId xmlns:a16="http://schemas.microsoft.com/office/drawing/2014/main" id="{50BFF8E4-400B-48AF-9C6D-DD2D9AC9A092}"/>
               </a:ext>
             </a:extLst>
           </p:cNvPr>
@@ -6586,7 +6653,7 @@
           <p:cNvPr id="2" name="제목 1">
             <a:extLst>
               <a:ext uri="{FF2B5EF4-FFF2-40B4-BE49-F238E27FC236}">
-                <a16:creationId xmlns:a16="http://schemas.microsoft.com/office/drawing/2014/main" xmlns="" id="{761DB68B-32F6-4816-8CA0-96A221E63943}"/>
+                <a16:creationId xmlns:a16="http://schemas.microsoft.com/office/drawing/2014/main" id="{761DB68B-32F6-4816-8CA0-96A221E63943}"/>
               </a:ext>
             </a:extLst>
           </p:cNvPr>
@@ -6614,7 +6681,7 @@
           <p:cNvPr id="5" name="내용 개체 틀 4" descr="스크린샷, 지도이(가) 표시된 사진&#10;&#10;자동 생성된 설명">
             <a:extLst>
               <a:ext uri="{FF2B5EF4-FFF2-40B4-BE49-F238E27FC236}">
-                <a16:creationId xmlns:a16="http://schemas.microsoft.com/office/drawing/2014/main" xmlns="" id="{A3532510-62CE-4D85-B99A-80C1671B3F4B}"/>
+                <a16:creationId xmlns:a16="http://schemas.microsoft.com/office/drawing/2014/main" id="{A3532510-62CE-4D85-B99A-80C1671B3F4B}"/>
               </a:ext>
             </a:extLst>
           </p:cNvPr>
@@ -6679,7 +6746,7 @@
           <p:cNvPr id="2" name="제목 1">
             <a:extLst>
               <a:ext uri="{FF2B5EF4-FFF2-40B4-BE49-F238E27FC236}">
-                <a16:creationId xmlns:a16="http://schemas.microsoft.com/office/drawing/2014/main" xmlns="" id="{84ADE4AD-147E-4776-9CAC-63808C9E04BB}"/>
+                <a16:creationId xmlns:a16="http://schemas.microsoft.com/office/drawing/2014/main" id="{84ADE4AD-147E-4776-9CAC-63808C9E04BB}"/>
               </a:ext>
             </a:extLst>
           </p:cNvPr>
@@ -6707,7 +6774,7 @@
           <p:cNvPr id="10" name="표 10">
             <a:extLst>
               <a:ext uri="{FF2B5EF4-FFF2-40B4-BE49-F238E27FC236}">
-                <a16:creationId xmlns:a16="http://schemas.microsoft.com/office/drawing/2014/main" xmlns="" id="{FCA8325B-8B08-4144-8810-B95A01B0ED3E}"/>
+                <a16:creationId xmlns:a16="http://schemas.microsoft.com/office/drawing/2014/main" id="{FCA8325B-8B08-4144-8810-B95A01B0ED3E}"/>
               </a:ext>
             </a:extLst>
           </p:cNvPr>
@@ -6737,63 +6804,63 @@
                 <a:gridCol w="2322512">
                   <a:extLst>
                     <a:ext uri="{9D8B030D-6E8A-4147-A177-3AD203B41FA5}">
-                      <a16:colId xmlns:a16="http://schemas.microsoft.com/office/drawing/2014/main" xmlns="" val="3756278834"/>
+                      <a16:colId xmlns:a16="http://schemas.microsoft.com/office/drawing/2014/main" val="3756278834"/>
                     </a:ext>
                   </a:extLst>
                 </a:gridCol>
                 <a:gridCol w="914400">
                   <a:extLst>
                     <a:ext uri="{9D8B030D-6E8A-4147-A177-3AD203B41FA5}">
-                      <a16:colId xmlns:a16="http://schemas.microsoft.com/office/drawing/2014/main" xmlns="" val="2987204459"/>
+                      <a16:colId xmlns:a16="http://schemas.microsoft.com/office/drawing/2014/main" val="2987204459"/>
                     </a:ext>
                   </a:extLst>
                 </a:gridCol>
                 <a:gridCol w="914400">
                   <a:extLst>
                     <a:ext uri="{9D8B030D-6E8A-4147-A177-3AD203B41FA5}">
-                      <a16:colId xmlns:a16="http://schemas.microsoft.com/office/drawing/2014/main" xmlns="" val="828058564"/>
+                      <a16:colId xmlns:a16="http://schemas.microsoft.com/office/drawing/2014/main" val="828058564"/>
                     </a:ext>
                   </a:extLst>
                 </a:gridCol>
                 <a:gridCol w="914400">
                   <a:extLst>
                     <a:ext uri="{9D8B030D-6E8A-4147-A177-3AD203B41FA5}">
-                      <a16:colId xmlns:a16="http://schemas.microsoft.com/office/drawing/2014/main" xmlns="" val="2068612123"/>
+                      <a16:colId xmlns:a16="http://schemas.microsoft.com/office/drawing/2014/main" val="2068612123"/>
                     </a:ext>
                   </a:extLst>
                 </a:gridCol>
                 <a:gridCol w="914400">
                   <a:extLst>
                     <a:ext uri="{9D8B030D-6E8A-4147-A177-3AD203B41FA5}">
-                      <a16:colId xmlns:a16="http://schemas.microsoft.com/office/drawing/2014/main" xmlns="" val="2923675091"/>
+                      <a16:colId xmlns:a16="http://schemas.microsoft.com/office/drawing/2014/main" val="2923675091"/>
                     </a:ext>
                   </a:extLst>
                 </a:gridCol>
                 <a:gridCol w="914400">
                   <a:extLst>
                     <a:ext uri="{9D8B030D-6E8A-4147-A177-3AD203B41FA5}">
-                      <a16:colId xmlns:a16="http://schemas.microsoft.com/office/drawing/2014/main" xmlns="" val="1175273465"/>
+                      <a16:colId xmlns:a16="http://schemas.microsoft.com/office/drawing/2014/main" val="1175273465"/>
                     </a:ext>
                   </a:extLst>
                 </a:gridCol>
                 <a:gridCol w="914400">
                   <a:extLst>
                     <a:ext uri="{9D8B030D-6E8A-4147-A177-3AD203B41FA5}">
-                      <a16:colId xmlns:a16="http://schemas.microsoft.com/office/drawing/2014/main" xmlns="" val="3000395707"/>
+                      <a16:colId xmlns:a16="http://schemas.microsoft.com/office/drawing/2014/main" val="3000395707"/>
                     </a:ext>
                   </a:extLst>
                 </a:gridCol>
                 <a:gridCol w="914400">
                   <a:extLst>
                     <a:ext uri="{9D8B030D-6E8A-4147-A177-3AD203B41FA5}">
-                      <a16:colId xmlns:a16="http://schemas.microsoft.com/office/drawing/2014/main" xmlns="" val="3805122242"/>
+                      <a16:colId xmlns:a16="http://schemas.microsoft.com/office/drawing/2014/main" val="3805122242"/>
                     </a:ext>
                   </a:extLst>
                 </a:gridCol>
                 <a:gridCol w="914400">
                   <a:extLst>
                     <a:ext uri="{9D8B030D-6E8A-4147-A177-3AD203B41FA5}">
-                      <a16:colId xmlns:a16="http://schemas.microsoft.com/office/drawing/2014/main" xmlns="" val="753311355"/>
+                      <a16:colId xmlns:a16="http://schemas.microsoft.com/office/drawing/2014/main" val="753311355"/>
                     </a:ext>
                   </a:extLst>
                 </a:gridCol>
@@ -7012,7 +7079,7 @@
                 </a:tc>
                 <a:extLst>
                   <a:ext uri="{0D108BD9-81ED-4DB2-BD59-A6C34878D82A}">
-                    <a16:rowId xmlns:a16="http://schemas.microsoft.com/office/drawing/2014/main" xmlns="" val="2327083641"/>
+                    <a16:rowId xmlns:a16="http://schemas.microsoft.com/office/drawing/2014/main" val="2327083641"/>
                   </a:ext>
                 </a:extLst>
               </a:tr>
@@ -7189,7 +7256,7 @@
                 </a:tc>
                 <a:extLst>
                   <a:ext uri="{0D108BD9-81ED-4DB2-BD59-A6C34878D82A}">
-                    <a16:rowId xmlns:a16="http://schemas.microsoft.com/office/drawing/2014/main" xmlns="" val="1617848396"/>
+                    <a16:rowId xmlns:a16="http://schemas.microsoft.com/office/drawing/2014/main" val="1617848396"/>
                   </a:ext>
                 </a:extLst>
               </a:tr>
@@ -7375,7 +7442,7 @@
                 </a:tc>
                 <a:extLst>
                   <a:ext uri="{0D108BD9-81ED-4DB2-BD59-A6C34878D82A}">
-                    <a16:rowId xmlns:a16="http://schemas.microsoft.com/office/drawing/2014/main" xmlns="" val="148361300"/>
+                    <a16:rowId xmlns:a16="http://schemas.microsoft.com/office/drawing/2014/main" val="148361300"/>
                   </a:ext>
                 </a:extLst>
               </a:tr>
@@ -7551,7 +7618,7 @@
                 </a:tc>
                 <a:extLst>
                   <a:ext uri="{0D108BD9-81ED-4DB2-BD59-A6C34878D82A}">
-                    <a16:rowId xmlns:a16="http://schemas.microsoft.com/office/drawing/2014/main" xmlns="" val="2722314142"/>
+                    <a16:rowId xmlns:a16="http://schemas.microsoft.com/office/drawing/2014/main" val="2722314142"/>
                   </a:ext>
                 </a:extLst>
               </a:tr>
@@ -7756,7 +7823,7 @@
                 </a:tc>
                 <a:extLst>
                   <a:ext uri="{0D108BD9-81ED-4DB2-BD59-A6C34878D82A}">
-                    <a16:rowId xmlns:a16="http://schemas.microsoft.com/office/drawing/2014/main" xmlns="" val="1719912870"/>
+                    <a16:rowId xmlns:a16="http://schemas.microsoft.com/office/drawing/2014/main" val="1719912870"/>
                   </a:ext>
                 </a:extLst>
               </a:tr>
@@ -7938,7 +8005,7 @@
                 </a:tc>
                 <a:extLst>
                   <a:ext uri="{0D108BD9-81ED-4DB2-BD59-A6C34878D82A}">
-                    <a16:rowId xmlns:a16="http://schemas.microsoft.com/office/drawing/2014/main" xmlns="" val="2808822666"/>
+                    <a16:rowId xmlns:a16="http://schemas.microsoft.com/office/drawing/2014/main" val="2808822666"/>
                   </a:ext>
                 </a:extLst>
               </a:tr>
@@ -8147,7 +8214,7 @@
                 </a:tc>
                 <a:extLst>
                   <a:ext uri="{0D108BD9-81ED-4DB2-BD59-A6C34878D82A}">
-                    <a16:rowId xmlns:a16="http://schemas.microsoft.com/office/drawing/2014/main" xmlns="" val="71228204"/>
+                    <a16:rowId xmlns:a16="http://schemas.microsoft.com/office/drawing/2014/main" val="71228204"/>
                   </a:ext>
                 </a:extLst>
               </a:tr>
@@ -8345,7 +8412,7 @@
                 </a:tc>
                 <a:extLst>
                   <a:ext uri="{0D108BD9-81ED-4DB2-BD59-A6C34878D82A}">
-                    <a16:rowId xmlns:a16="http://schemas.microsoft.com/office/drawing/2014/main" xmlns="" val="1317040896"/>
+                    <a16:rowId xmlns:a16="http://schemas.microsoft.com/office/drawing/2014/main" val="1317040896"/>
                   </a:ext>
                 </a:extLst>
               </a:tr>
@@ -8565,7 +8632,7 @@
                 </a:tc>
                 <a:extLst>
                   <a:ext uri="{0D108BD9-81ED-4DB2-BD59-A6C34878D82A}">
-                    <a16:rowId xmlns:a16="http://schemas.microsoft.com/office/drawing/2014/main" xmlns="" val="66543431"/>
+                    <a16:rowId xmlns:a16="http://schemas.microsoft.com/office/drawing/2014/main" val="66543431"/>
                   </a:ext>
                 </a:extLst>
               </a:tr>
@@ -8750,7 +8817,7 @@
                 </a:tc>
                 <a:extLst>
                   <a:ext uri="{0D108BD9-81ED-4DB2-BD59-A6C34878D82A}">
-                    <a16:rowId xmlns:a16="http://schemas.microsoft.com/office/drawing/2014/main" xmlns="" val="1109889755"/>
+                    <a16:rowId xmlns:a16="http://schemas.microsoft.com/office/drawing/2014/main" val="1109889755"/>
                   </a:ext>
                 </a:extLst>
               </a:tr>
@@ -8763,7 +8830,7 @@
           <p:cNvPr id="12" name="TextBox 11">
             <a:extLst>
               <a:ext uri="{FF2B5EF4-FFF2-40B4-BE49-F238E27FC236}">
-                <a16:creationId xmlns:a16="http://schemas.microsoft.com/office/drawing/2014/main" xmlns="" id="{C12736F1-89D7-40D6-B1B8-00F91560DE68}"/>
+                <a16:creationId xmlns:a16="http://schemas.microsoft.com/office/drawing/2014/main" id="{C12736F1-89D7-40D6-B1B8-00F91560DE68}"/>
               </a:ext>
             </a:extLst>
           </p:cNvPr>
@@ -8863,7 +8930,7 @@
           <p:cNvPr id="13" name="타원 12">
             <a:extLst>
               <a:ext uri="{FF2B5EF4-FFF2-40B4-BE49-F238E27FC236}">
-                <a16:creationId xmlns:a16="http://schemas.microsoft.com/office/drawing/2014/main" xmlns="" id="{FC179FA7-7446-46FF-9537-2F782DD94D8C}"/>
+                <a16:creationId xmlns:a16="http://schemas.microsoft.com/office/drawing/2014/main" id="{FC179FA7-7446-46FF-9537-2F782DD94D8C}"/>
               </a:ext>
             </a:extLst>
           </p:cNvPr>
@@ -8912,7 +8979,7 @@
           <p:cNvPr id="14" name="타원 13">
             <a:extLst>
               <a:ext uri="{FF2B5EF4-FFF2-40B4-BE49-F238E27FC236}">
-                <a16:creationId xmlns:a16="http://schemas.microsoft.com/office/drawing/2014/main" xmlns="" id="{607CB982-BAF9-4EB3-80BA-9EC7A754372F}"/>
+                <a16:creationId xmlns:a16="http://schemas.microsoft.com/office/drawing/2014/main" id="{607CB982-BAF9-4EB3-80BA-9EC7A754372F}"/>
               </a:ext>
             </a:extLst>
           </p:cNvPr>
@@ -8961,7 +9028,7 @@
           <p:cNvPr id="15" name="타원 14">
             <a:extLst>
               <a:ext uri="{FF2B5EF4-FFF2-40B4-BE49-F238E27FC236}">
-                <a16:creationId xmlns:a16="http://schemas.microsoft.com/office/drawing/2014/main" xmlns="" id="{C14459EC-BDEB-4FDC-A494-7DC79A3866D3}"/>
+                <a16:creationId xmlns:a16="http://schemas.microsoft.com/office/drawing/2014/main" id="{C14459EC-BDEB-4FDC-A494-7DC79A3866D3}"/>
               </a:ext>
             </a:extLst>
           </p:cNvPr>
@@ -9007,7 +9074,7 @@
           <p:cNvPr id="16" name="타원 15">
             <a:extLst>
               <a:ext uri="{FF2B5EF4-FFF2-40B4-BE49-F238E27FC236}">
-                <a16:creationId xmlns:a16="http://schemas.microsoft.com/office/drawing/2014/main" xmlns="" id="{F80881C6-D363-4F30-9996-72302BFF7D1B}"/>
+                <a16:creationId xmlns:a16="http://schemas.microsoft.com/office/drawing/2014/main" id="{F80881C6-D363-4F30-9996-72302BFF7D1B}"/>
               </a:ext>
             </a:extLst>
           </p:cNvPr>
@@ -9059,7 +9126,7 @@
           <p:cNvPr id="17" name="타원 16">
             <a:extLst>
               <a:ext uri="{FF2B5EF4-FFF2-40B4-BE49-F238E27FC236}">
-                <a16:creationId xmlns:a16="http://schemas.microsoft.com/office/drawing/2014/main" xmlns="" id="{516CF910-FF99-4E48-A923-C02A09E2CCD5}"/>
+                <a16:creationId xmlns:a16="http://schemas.microsoft.com/office/drawing/2014/main" id="{516CF910-FF99-4E48-A923-C02A09E2CCD5}"/>
               </a:ext>
             </a:extLst>
           </p:cNvPr>
@@ -9111,7 +9178,7 @@
           <p:cNvPr id="3" name="직사각형 2">
             <a:extLst>
               <a:ext uri="{FF2B5EF4-FFF2-40B4-BE49-F238E27FC236}">
-                <a16:creationId xmlns:a16="http://schemas.microsoft.com/office/drawing/2014/main" xmlns="" id="{67F9B6B3-9E49-48DE-A175-74AF0176FA6B}"/>
+                <a16:creationId xmlns:a16="http://schemas.microsoft.com/office/drawing/2014/main" id="{67F9B6B3-9E49-48DE-A175-74AF0176FA6B}"/>
               </a:ext>
             </a:extLst>
           </p:cNvPr>
@@ -9426,7 +9493,7 @@
   <a:extraClrSchemeLst/>
   <a:extLst>
     <a:ext uri="{05A4C25C-085E-4340-85A3-A5531E510DB2}">
-      <thm15:themeFamily xmlns:thm15="http://schemas.microsoft.com/office/thememl/2012/main" xmlns="" name="Office_9411771_TF02901026_TF02901026.potx" id="{2203E5E0-3982-4970-BA82-A58D8043B518}" vid="{3C2F52B7-6A4C-491E-8D8F-92BEBBC3C2D9}"/>
+      <thm15:themeFamily xmlns:thm15="http://schemas.microsoft.com/office/thememl/2012/main" name="Office_9411771_TF02901026_TF02901026.potx" id="{2203E5E0-3982-4970-BA82-A58D8043B518}" vid="{3C2F52B7-6A4C-491E-8D8F-92BEBBC3C2D9}"/>
     </a:ext>
   </a:extLst>
 </a:theme>
@@ -9687,7 +9754,7 @@
   <a:extraClrSchemeLst/>
   <a:extLst>
     <a:ext uri="{05A4C25C-085E-4340-85A3-A5531E510DB2}">
-      <thm15:themeFamily xmlns:thm15="http://schemas.microsoft.com/office/thememl/2012/main" xmlns="" name="Office Theme" id="{62F939B6-93AF-4DB8-9C6B-D6C7DFDC589F}" vid="{4A3C46E8-61CC-4603-A589-7422A47A8E4A}"/>
+      <thm15:themeFamily xmlns:thm15="http://schemas.microsoft.com/office/thememl/2012/main" name="Office Theme" id="{62F939B6-93AF-4DB8-9C6B-D6C7DFDC589F}" vid="{4A3C46E8-61CC-4603-A589-7422A47A8E4A}"/>
     </a:ext>
   </a:extLst>
 </a:theme>
@@ -9948,22 +10015,13 @@
   <a:extraClrSchemeLst/>
   <a:extLst>
     <a:ext uri="{05A4C25C-085E-4340-85A3-A5531E510DB2}">
-      <thm15:themeFamily xmlns:thm15="http://schemas.microsoft.com/office/thememl/2012/main" xmlns="" name="Office Theme" id="{62F939B6-93AF-4DB8-9C6B-D6C7DFDC589F}" vid="{4A3C46E8-61CC-4603-A589-7422A47A8E4A}"/>
+      <thm15:themeFamily xmlns:thm15="http://schemas.microsoft.com/office/thememl/2012/main" name="Office Theme" id="{62F939B6-93AF-4DB8-9C6B-D6C7DFDC589F}" vid="{4A3C46E8-61CC-4603-A589-7422A47A8E4A}"/>
     </a:ext>
   </a:extLst>
 </a:theme>
 </file>
 
 <file path=customXml/item1.xml><?xml version="1.0" encoding="utf-8"?>
-<?mso-contentType ?>
-<FormTemplates xmlns="http://schemas.microsoft.com/sharepoint/v3/contenttype/forms">
-  <Display>DocumentLibraryForm</Display>
-  <Edit>AssetEditForm</Edit>
-  <New>DocumentLibraryForm</New>
-</FormTemplates>
-</file>
-
-<file path=customXml/item2.xml><?xml version="1.0" encoding="utf-8"?>
 <ct:contentTypeSchema xmlns:ct="http://schemas.microsoft.com/office/2006/metadata/contentType" xmlns:ma="http://schemas.microsoft.com/office/2006/metadata/properties/metaAttributes" ct:_="" ma:_="" ma:contentTypeName="TemplateFile" ma:contentTypeID="0x0101006EDDDB5EE6D98C44930B742096920B300400F5B6D36B3EF94B4E9A635CDF2A18F5B8" ma:contentTypeVersion="72" ma:contentTypeDescription="Create a new document." ma:contentTypeScope="" ma:versionID="a23e56308344d904b51738559c3d67c9">
   <xsd:schema xmlns:xsd="http://www.w3.org/2001/XMLSchema" xmlns:xs="http://www.w3.org/2001/XMLSchema" xmlns:p="http://schemas.microsoft.com/office/2006/metadata/properties" xmlns:ns2="4873beb7-5857-4685-be1f-d57550cc96cc" targetNamespace="http://schemas.microsoft.com/office/2006/metadata/properties" ma:root="true" ma:fieldsID="cd0908cc4600e77bf5da051303e00c8d" ns2:_="">
     <xsd:import namespace="4873beb7-5857-4685-be1f-d57550cc96cc"/>
@@ -11003,15 +11061,16 @@
 </ct:contentTypeSchema>
 </file>
 
-<file path=customXml/itemProps1.xml><?xml version="1.0" encoding="utf-8"?>
-<ds:datastoreItem xmlns:ds="http://schemas.openxmlformats.org/officeDocument/2006/customXml" ds:itemID="{746CFF6F-D9AA-4BC0-911A-0A1356771912}">
-  <ds:schemaRefs>
-    <ds:schemaRef ds:uri="http://schemas.microsoft.com/sharepoint/v3/contenttype/forms"/>
-  </ds:schemaRefs>
-</ds:datastoreItem>
+<file path=customXml/item2.xml><?xml version="1.0" encoding="utf-8"?>
+<?mso-contentType ?>
+<FormTemplates xmlns="http://schemas.microsoft.com/sharepoint/v3/contenttype/forms">
+  <Display>DocumentLibraryForm</Display>
+  <Edit>AssetEditForm</Edit>
+  <New>DocumentLibraryForm</New>
+</FormTemplates>
 </file>
 
-<file path=customXml/itemProps2.xml><?xml version="1.0" encoding="utf-8"?>
+<file path=customXml/itemProps1.xml><?xml version="1.0" encoding="utf-8"?>
 <ds:datastoreItem xmlns:ds="http://schemas.openxmlformats.org/officeDocument/2006/customXml" ds:itemID="{0B5C6E15-39DC-470B-9445-F754B9458020}">
   <ds:schemaRefs>
     <ds:schemaRef ds:uri="http://schemas.microsoft.com/office/2006/metadata/contentType"/>
@@ -11027,4 +11086,12 @@
     <ds:schemaRef ds:uri="http://schemas.microsoft.com/internal/obd"/>
   </ds:schemaRefs>
 </ds:datastoreItem>
+</file>
+
+<file path=customXml/itemProps2.xml><?xml version="1.0" encoding="utf-8"?>
+<ds:datastoreItem xmlns:ds="http://schemas.openxmlformats.org/officeDocument/2006/customXml" ds:itemID="{746CFF6F-D9AA-4BC0-911A-0A1356771912}">
+  <ds:schemaRefs>
+    <ds:schemaRef ds:uri="http://schemas.microsoft.com/sharepoint/v3/contenttype/forms"/>
+  </ds:schemaRefs>
+</ds:datastoreItem>
 </file>